--- a/2조 fooba(배달웹사이트) 2차.pptx
+++ b/2조 fooba(배달웹사이트) 2차.pptx
@@ -32,12 +32,12 @@
       <p:boldItalic r:id="rId18"/>
     </p:embeddedFont>
     <p:embeddedFont>
-      <p:font typeface="빙그레체" panose="02030803000000000000" pitchFamily="18" charset="-127"/>
-      <p:bold r:id="rId19"/>
+      <p:font typeface="맑은 고딕" panose="020B0503020000020004" pitchFamily="50" charset="-127"/>
+      <p:regular r:id="rId19"/>
+      <p:bold r:id="rId20"/>
     </p:embeddedFont>
     <p:embeddedFont>
-      <p:font typeface="맑은 고딕" panose="020B0503020000020004" pitchFamily="50" charset="-127"/>
-      <p:regular r:id="rId20"/>
+      <p:font typeface="빙그레체" panose="02030803000000000000" pitchFamily="18" charset="-127"/>
       <p:bold r:id="rId21"/>
     </p:embeddedFont>
   </p:embeddedFontLst>
@@ -138,7 +138,7 @@
   </p:defaultTextStyle>
   <p:extLst>
     <p:ext uri="{EFAFB233-063F-42B5-8137-9DF3F51BA10A}">
-      <p15:sldGuideLst xmlns:p15="http://schemas.microsoft.com/office/powerpoint/2012/main" xmlns="">
+      <p15:sldGuideLst xmlns:p15="http://schemas.microsoft.com/office/powerpoint/2012/main">
         <p15:guide id="1" orient="horz" pos="3240" userDrawn="1">
           <p15:clr>
             <a:srgbClr val="A4A3A4"/>
@@ -152,7 +152,7 @@
       </p15:sldGuideLst>
     </p:ext>
     <p:ext uri="{2D200454-40CA-4A62-9FC3-DE9A4176ACB9}">
-      <p15:notesGuideLst xmlns:p15="http://schemas.microsoft.com/office/powerpoint/2012/main" xmlns=""/>
+      <p15:notesGuideLst xmlns:p15="http://schemas.microsoft.com/office/powerpoint/2012/main"/>
     </p:ext>
   </p:extLst>
 </p:presentation>
@@ -240,7 +240,7 @@
           <a:p>
             <a:fld id="{87823628-B05F-4021-9192-B73365C7F31C}" type="datetimeFigureOut">
               <a:rPr lang="ko-KR" altLang="en-US" smtClean="0"/>
-              <a:t>2023-02-22</a:t>
+              <a:t>2023-02-23</a:t>
             </a:fld>
             <a:endParaRPr lang="ko-KR" altLang="en-US"/>
           </a:p>
@@ -1277,7 +1277,7 @@
           <a:p>
             <a:fld id="{F8166F1F-CE9B-4651-A6AA-CD717754106B}" type="datetimeFigureOut">
               <a:rPr lang="en-US" smtClean="0"/>
-              <a:t>2/22/2023</a:t>
+              <a:t>2/23/2023</a:t>
             </a:fld>
             <a:endParaRPr lang="en-US"/>
           </a:p>
@@ -1449,7 +1449,7 @@
           <a:p>
             <a:fld id="{A76116CE-C4A3-4A05-B2D7-7C2E9A889C0F}" type="datetimeFigureOut">
               <a:rPr lang="en-US" smtClean="0"/>
-              <a:t>2/22/2023</a:t>
+              <a:t>2/23/2023</a:t>
             </a:fld>
             <a:endParaRPr lang="en-US"/>
           </a:p>
@@ -1631,7 +1631,7 @@
           <a:p>
             <a:fld id="{A76116CE-C4A3-4A05-B2D7-7C2E9A889C0F}" type="datetimeFigureOut">
               <a:rPr lang="en-US" smtClean="0"/>
-              <a:t>2/22/2023</a:t>
+              <a:t>2/23/2023</a:t>
             </a:fld>
             <a:endParaRPr lang="en-US"/>
           </a:p>
@@ -1805,7 +1805,7 @@
           <a:p>
             <a:fld id="{A76116CE-C4A3-4A05-B2D7-7C2E9A889C0F}" type="datetimeFigureOut">
               <a:rPr lang="en-US" smtClean="0"/>
-              <a:t>2/22/2023</a:t>
+              <a:t>2/23/2023</a:t>
             </a:fld>
             <a:endParaRPr lang="en-US"/>
           </a:p>
@@ -2053,7 +2053,7 @@
           <a:p>
             <a:fld id="{A76116CE-C4A3-4A05-B2D7-7C2E9A889C0F}" type="datetimeFigureOut">
               <a:rPr lang="en-US" smtClean="0"/>
-              <a:t>2/22/2023</a:t>
+              <a:t>2/23/2023</a:t>
             </a:fld>
             <a:endParaRPr lang="en-US"/>
           </a:p>
@@ -2343,7 +2343,7 @@
           <a:p>
             <a:fld id="{A76116CE-C4A3-4A05-B2D7-7C2E9A889C0F}" type="datetimeFigureOut">
               <a:rPr lang="en-US" smtClean="0"/>
-              <a:t>2/22/2023</a:t>
+              <a:t>2/23/2023</a:t>
             </a:fld>
             <a:endParaRPr lang="en-US"/>
           </a:p>
@@ -2767,7 +2767,7 @@
           <a:p>
             <a:fld id="{A76116CE-C4A3-4A05-B2D7-7C2E9A889C0F}" type="datetimeFigureOut">
               <a:rPr lang="en-US" smtClean="0"/>
-              <a:t>2/22/2023</a:t>
+              <a:t>2/23/2023</a:t>
             </a:fld>
             <a:endParaRPr lang="en-US"/>
           </a:p>
@@ -2880,7 +2880,7 @@
           <a:p>
             <a:fld id="{A76116CE-C4A3-4A05-B2D7-7C2E9A889C0F}" type="datetimeFigureOut">
               <a:rPr lang="en-US" smtClean="0"/>
-              <a:t>2/22/2023</a:t>
+              <a:t>2/23/2023</a:t>
             </a:fld>
             <a:endParaRPr lang="en-US"/>
           </a:p>
@@ -2977,7 +2977,7 @@
           <a:p>
             <a:fld id="{A76116CE-C4A3-4A05-B2D7-7C2E9A889C0F}" type="datetimeFigureOut">
               <a:rPr lang="en-US" smtClean="0"/>
-              <a:t>2/22/2023</a:t>
+              <a:t>2/23/2023</a:t>
             </a:fld>
             <a:endParaRPr lang="en-US"/>
           </a:p>
@@ -3256,7 +3256,7 @@
           <a:p>
             <a:fld id="{A76116CE-C4A3-4A05-B2D7-7C2E9A889C0F}" type="datetimeFigureOut">
               <a:rPr lang="en-US" smtClean="0"/>
-              <a:t>2/22/2023</a:t>
+              <a:t>2/23/2023</a:t>
             </a:fld>
             <a:endParaRPr lang="en-US"/>
           </a:p>
@@ -3511,7 +3511,7 @@
           <a:p>
             <a:fld id="{A76116CE-C4A3-4A05-B2D7-7C2E9A889C0F}" type="datetimeFigureOut">
               <a:rPr lang="en-US" smtClean="0"/>
-              <a:t>2/22/2023</a:t>
+              <a:t>2/23/2023</a:t>
             </a:fld>
             <a:endParaRPr lang="en-US"/>
           </a:p>
@@ -3726,7 +3726,7 @@
           <a:p>
             <a:fld id="{F8166F1F-CE9B-4651-A6AA-CD717754106B}" type="datetimeFigureOut">
               <a:rPr lang="en-US" smtClean="0"/>
-              <a:t>2/22/2023</a:t>
+              <a:t>2/23/2023</a:t>
             </a:fld>
             <a:endParaRPr lang="en-US"/>
           </a:p>
@@ -5096,18 +5096,7 @@
                 <a:ea typeface="빙그레체" panose="02030803000000000000" pitchFamily="18" charset="-127"/>
                 <a:cs typeface="Jalnan OTF" pitchFamily="34" charset="0"/>
               </a:rPr>
-              <a:t>롤링 배너 </a:t>
-            </a:r>
-            <a:r>
-              <a:rPr lang="ko-KR" altLang="en-US" sz="4800" kern="0" spc="-100" dirty="0" smtClean="0">
-                <a:solidFill>
-                  <a:srgbClr val="464646"/>
-                </a:solidFill>
-                <a:latin typeface="빙그레체" panose="02030803000000000000" pitchFamily="18" charset="-127"/>
-                <a:ea typeface="빙그레체" panose="02030803000000000000" pitchFamily="18" charset="-127"/>
-                <a:cs typeface="Jalnan OTF" pitchFamily="34" charset="0"/>
-              </a:rPr>
-              <a:t>적용</a:t>
+              <a:t>롤링 배너 적용</a:t>
             </a:r>
             <a:endParaRPr lang="en-US" dirty="0">
               <a:latin typeface="빙그레체" panose="02030803000000000000" pitchFamily="18" charset="-127"/>
@@ -7049,14 +7038,14 @@
                 <a:gridCol w="3284895">
                   <a:extLst>
                     <a:ext uri="{9D8B030D-6E8A-4147-A177-3AD203B41FA5}">
-                      <a16:colId xmlns:a16="http://schemas.microsoft.com/office/drawing/2014/main" xmlns="" val="20000"/>
+                      <a16:colId xmlns:a16="http://schemas.microsoft.com/office/drawing/2014/main" val="20000"/>
                     </a:ext>
                   </a:extLst>
                 </a:gridCol>
                 <a:gridCol w="9273163">
                   <a:extLst>
                     <a:ext uri="{9D8B030D-6E8A-4147-A177-3AD203B41FA5}">
-                      <a16:colId xmlns:a16="http://schemas.microsoft.com/office/drawing/2014/main" xmlns="" val="20001"/>
+                      <a16:colId xmlns:a16="http://schemas.microsoft.com/office/drawing/2014/main" val="20001"/>
                     </a:ext>
                   </a:extLst>
                 </a:gridCol>
@@ -7200,7 +7189,7 @@
                 </a:tc>
                 <a:extLst>
                   <a:ext uri="{0D108BD9-81ED-4DB2-BD59-A6C34878D82A}">
-                    <a16:rowId xmlns:a16="http://schemas.microsoft.com/office/drawing/2014/main" xmlns="" val="10000"/>
+                    <a16:rowId xmlns:a16="http://schemas.microsoft.com/office/drawing/2014/main" val="10000"/>
                   </a:ext>
                 </a:extLst>
               </a:tr>
@@ -7329,7 +7318,7 @@
                 </a:tc>
                 <a:extLst>
                   <a:ext uri="{0D108BD9-81ED-4DB2-BD59-A6C34878D82A}">
-                    <a16:rowId xmlns:a16="http://schemas.microsoft.com/office/drawing/2014/main" xmlns="" val="10001"/>
+                    <a16:rowId xmlns:a16="http://schemas.microsoft.com/office/drawing/2014/main" val="10001"/>
                   </a:ext>
                 </a:extLst>
               </a:tr>
@@ -7440,7 +7429,7 @@
                 </a:tc>
                 <a:extLst>
                   <a:ext uri="{0D108BD9-81ED-4DB2-BD59-A6C34878D82A}">
-                    <a16:rowId xmlns:a16="http://schemas.microsoft.com/office/drawing/2014/main" xmlns="" val="10002"/>
+                    <a16:rowId xmlns:a16="http://schemas.microsoft.com/office/drawing/2014/main" val="10002"/>
                   </a:ext>
                 </a:extLst>
               </a:tr>
@@ -7551,7 +7540,7 @@
                 </a:tc>
                 <a:extLst>
                   <a:ext uri="{0D108BD9-81ED-4DB2-BD59-A6C34878D82A}">
-                    <a16:rowId xmlns:a16="http://schemas.microsoft.com/office/drawing/2014/main" xmlns="" val="10003"/>
+                    <a16:rowId xmlns:a16="http://schemas.microsoft.com/office/drawing/2014/main" val="10003"/>
                   </a:ext>
                 </a:extLst>
               </a:tr>
@@ -7795,7 +7784,7 @@
                 </a:tc>
                 <a:extLst>
                   <a:ext uri="{0D108BD9-81ED-4DB2-BD59-A6C34878D82A}">
-                    <a16:rowId xmlns:a16="http://schemas.microsoft.com/office/drawing/2014/main" xmlns="" val="10004"/>
+                    <a16:rowId xmlns:a16="http://schemas.microsoft.com/office/drawing/2014/main" val="10004"/>
                   </a:ext>
                 </a:extLst>
               </a:tr>
@@ -8052,7 +8041,7 @@
                 </a:tc>
                 <a:extLst>
                   <a:ext uri="{0D108BD9-81ED-4DB2-BD59-A6C34878D82A}">
-                    <a16:rowId xmlns:a16="http://schemas.microsoft.com/office/drawing/2014/main" xmlns="" val="10005"/>
+                    <a16:rowId xmlns:a16="http://schemas.microsoft.com/office/drawing/2014/main" val="10005"/>
                   </a:ext>
                 </a:extLst>
               </a:tr>
@@ -8176,7 +8165,7 @@
                 </a:tc>
                 <a:extLst>
                   <a:ext uri="{0D108BD9-81ED-4DB2-BD59-A6C34878D82A}">
-                    <a16:rowId xmlns:a16="http://schemas.microsoft.com/office/drawing/2014/main" xmlns="" val="10006"/>
+                    <a16:rowId xmlns:a16="http://schemas.microsoft.com/office/drawing/2014/main" val="10006"/>
                   </a:ext>
                 </a:extLst>
               </a:tr>
@@ -8301,7 +8290,7 @@
                 </a:tc>
                 <a:extLst>
                   <a:ext uri="{0D108BD9-81ED-4DB2-BD59-A6C34878D82A}">
-                    <a16:rowId xmlns:a16="http://schemas.microsoft.com/office/drawing/2014/main" xmlns="" val="10007"/>
+                    <a16:rowId xmlns:a16="http://schemas.microsoft.com/office/drawing/2014/main" val="10007"/>
                   </a:ext>
                 </a:extLst>
               </a:tr>
@@ -9744,18 +9733,7 @@
                 <a:ea typeface="빙그레체" panose="02030803000000000000" pitchFamily="18" charset="-127"/>
                 <a:cs typeface="Jalnan OTF" pitchFamily="34" charset="0"/>
               </a:rPr>
-              <a:t> </a:t>
-            </a:r>
-            <a:r>
-              <a:rPr lang="ko-KR" altLang="en-US" sz="4800" kern="0" spc="-100" dirty="0" smtClean="0">
-                <a:solidFill>
-                  <a:srgbClr val="464646"/>
-                </a:solidFill>
-                <a:latin typeface="빙그레체" panose="02030803000000000000" pitchFamily="18" charset="-127"/>
-                <a:ea typeface="빙그레체" panose="02030803000000000000" pitchFamily="18" charset="-127"/>
-                <a:cs typeface="Jalnan OTF" pitchFamily="34" charset="0"/>
-              </a:rPr>
-              <a:t>추가</a:t>
+              <a:t> 추가</a:t>
             </a:r>
             <a:endParaRPr lang="en-US" dirty="0">
               <a:latin typeface="빙그레체" panose="02030803000000000000" pitchFamily="18" charset="-127"/>
@@ -10021,165 +9999,7 @@
   <p:timing>
     <p:tnLst>
       <p:par>
-        <p:cTn id="1" dur="indefinite" restart="never" nodeType="tmRoot">
-          <p:childTnLst>
-            <p:seq concurrent="1" nextAc="seek">
-              <p:cTn id="2" dur="indefinite" nodeType="mainSeq">
-                <p:childTnLst>
-                  <p:par>
-                    <p:cTn id="3" fill="hold">
-                      <p:stCondLst>
-                        <p:cond delay="indefinite"/>
-                      </p:stCondLst>
-                      <p:childTnLst>
-                        <p:par>
-                          <p:cTn id="4" fill="hold">
-                            <p:stCondLst>
-                              <p:cond delay="0"/>
-                            </p:stCondLst>
-                            <p:childTnLst>
-                              <p:par>
-                                <p:cTn id="5" presetID="1" presetClass="entr" presetSubtype="0" fill="hold" nodeType="clickEffect">
-                                  <p:stCondLst>
-                                    <p:cond delay="0"/>
-                                  </p:stCondLst>
-                                  <p:childTnLst>
-                                    <p:set>
-                                      <p:cBhvr>
-                                        <p:cTn id="6" dur="1" fill="hold">
-                                          <p:stCondLst>
-                                            <p:cond delay="0"/>
-                                          </p:stCondLst>
-                                        </p:cTn>
-                                        <p:tgtEl>
-                                          <p:spTgt spid="10"/>
-                                        </p:tgtEl>
-                                        <p:attrNameLst>
-                                          <p:attrName>style.visibility</p:attrName>
-                                        </p:attrNameLst>
-                                      </p:cBhvr>
-                                      <p:to>
-                                        <p:strVal val="visible"/>
-                                      </p:to>
-                                    </p:set>
-                                  </p:childTnLst>
-                                </p:cTn>
-                              </p:par>
-                            </p:childTnLst>
-                          </p:cTn>
-                        </p:par>
-                      </p:childTnLst>
-                    </p:cTn>
-                  </p:par>
-                  <p:par>
-                    <p:cTn id="7" fill="hold">
-                      <p:stCondLst>
-                        <p:cond delay="indefinite"/>
-                      </p:stCondLst>
-                      <p:childTnLst>
-                        <p:par>
-                          <p:cTn id="8" fill="hold">
-                            <p:stCondLst>
-                              <p:cond delay="0"/>
-                            </p:stCondLst>
-                            <p:childTnLst>
-                              <p:par>
-                                <p:cTn id="9" presetID="1" presetClass="entr" presetSubtype="0" fill="hold" nodeType="clickEffect">
-                                  <p:stCondLst>
-                                    <p:cond delay="0"/>
-                                  </p:stCondLst>
-                                  <p:childTnLst>
-                                    <p:set>
-                                      <p:cBhvr>
-                                        <p:cTn id="10" dur="1" fill="hold">
-                                          <p:stCondLst>
-                                            <p:cond delay="0"/>
-                                          </p:stCondLst>
-                                        </p:cTn>
-                                        <p:tgtEl>
-                                          <p:spTgt spid="4"/>
-                                        </p:tgtEl>
-                                        <p:attrNameLst>
-                                          <p:attrName>style.visibility</p:attrName>
-                                        </p:attrNameLst>
-                                      </p:cBhvr>
-                                      <p:to>
-                                        <p:strVal val="visible"/>
-                                      </p:to>
-                                    </p:set>
-                                  </p:childTnLst>
-                                </p:cTn>
-                              </p:par>
-                            </p:childTnLst>
-                          </p:cTn>
-                        </p:par>
-                      </p:childTnLst>
-                    </p:cTn>
-                  </p:par>
-                  <p:par>
-                    <p:cTn id="11" fill="hold">
-                      <p:stCondLst>
-                        <p:cond delay="indefinite"/>
-                      </p:stCondLst>
-                      <p:childTnLst>
-                        <p:par>
-                          <p:cTn id="12" fill="hold">
-                            <p:stCondLst>
-                              <p:cond delay="0"/>
-                            </p:stCondLst>
-                            <p:childTnLst>
-                              <p:par>
-                                <p:cTn id="13" presetID="1" presetClass="entr" presetSubtype="0" fill="hold" nodeType="clickEffect">
-                                  <p:stCondLst>
-                                    <p:cond delay="0"/>
-                                  </p:stCondLst>
-                                  <p:childTnLst>
-                                    <p:set>
-                                      <p:cBhvr>
-                                        <p:cTn id="14" dur="1" fill="hold">
-                                          <p:stCondLst>
-                                            <p:cond delay="0"/>
-                                          </p:stCondLst>
-                                        </p:cTn>
-                                        <p:tgtEl>
-                                          <p:spTgt spid="11"/>
-                                        </p:tgtEl>
-                                        <p:attrNameLst>
-                                          <p:attrName>style.visibility</p:attrName>
-                                        </p:attrNameLst>
-                                      </p:cBhvr>
-                                      <p:to>
-                                        <p:strVal val="visible"/>
-                                      </p:to>
-                                    </p:set>
-                                  </p:childTnLst>
-                                </p:cTn>
-                              </p:par>
-                            </p:childTnLst>
-                          </p:cTn>
-                        </p:par>
-                      </p:childTnLst>
-                    </p:cTn>
-                  </p:par>
-                </p:childTnLst>
-              </p:cTn>
-              <p:prevCondLst>
-                <p:cond evt="onPrev" delay="0">
-                  <p:tgtEl>
-                    <p:sldTgt/>
-                  </p:tgtEl>
-                </p:cond>
-              </p:prevCondLst>
-              <p:nextCondLst>
-                <p:cond evt="onNext" delay="0">
-                  <p:tgtEl>
-                    <p:sldTgt/>
-                  </p:tgtEl>
-                </p:cond>
-              </p:nextCondLst>
-            </p:seq>
-          </p:childTnLst>
-        </p:cTn>
+        <p:cTn id="1" dur="indefinite" restart="never" nodeType="tmRoot"/>
       </p:par>
     </p:tnLst>
   </p:timing>
@@ -11891,7 +11711,7 @@
   <a:extraClrSchemeLst/>
   <a:extLst>
     <a:ext uri="{05A4C25C-085E-4340-85A3-A5531E510DB2}">
-      <thm15:themeFamily xmlns:thm15="http://schemas.microsoft.com/office/thememl/2012/main" xmlns="" name="Office Theme" id="{62F939B6-93AF-4DB8-9C6B-D6C7DFDC589F}" vid="{4A3C46E8-61CC-4603-A589-7422A47A8E4A}"/>
+      <thm15:themeFamily xmlns:thm15="http://schemas.microsoft.com/office/thememl/2012/main" name="Office Theme" id="{62F939B6-93AF-4DB8-9C6B-D6C7DFDC589F}" vid="{4A3C46E8-61CC-4603-A589-7422A47A8E4A}"/>
     </a:ext>
   </a:extLst>
 </a:theme>
